--- a/presentation.pptx
+++ b/presentation.pptx
@@ -5,19 +5,19 @@
     <p:sldMasterId id="2147483648" r:id="rId1"/>
   </p:sldMasterIdLst>
   <p:sldIdLst>
-    <p:sldId id="256" r:id="rId3"/>
-    <p:sldId id="257" r:id="rId4"/>
-    <p:sldId id="258" r:id="rId5"/>
-    <p:sldId id="259" r:id="rId6"/>
-    <p:sldId id="260" r:id="rId7"/>
-    <p:sldId id="261" r:id="rId8"/>
-    <p:sldId id="262" r:id="rId9"/>
-    <p:sldId id="263" r:id="rId10"/>
-    <p:sldId id="264" r:id="rId11"/>
-    <p:sldId id="265" r:id="rId12"/>
+    <p:sldId id="256" r:id="rId2"/>
+    <p:sldId id="257" r:id="rId3"/>
+    <p:sldId id="258" r:id="rId4"/>
+    <p:sldId id="259" r:id="rId5"/>
+    <p:sldId id="260" r:id="rId6"/>
+    <p:sldId id="261" r:id="rId7"/>
+    <p:sldId id="262" r:id="rId8"/>
+    <p:sldId id="263" r:id="rId9"/>
+    <p:sldId id="264" r:id="rId10"/>
+    <p:sldId id="265" r:id="rId11"/>
   </p:sldIdLst>
   <p:sldSz cx="12192000" cy="6858000"/>
-  <p:notesSz cx="7103745" cy="10234295"/>
+  <p:notesSz cx="7104063" cy="10234613"/>
   <p:defaultTextStyle>
     <a:defPPr>
       <a:defRPr lang="en-US"/>
@@ -113,6 +113,14 @@
       </a:defRPr>
     </a:lvl9pPr>
   </p:defaultTextStyle>
+  <p:extLst>
+    <p:ext uri="{EFAFB233-063F-42B5-8137-9DF3F51BA10A}">
+      <p15:sldGuideLst xmlns:p15="http://schemas.microsoft.com/office/powerpoint/2012/main"/>
+    </p:ext>
+    <p:ext uri="{2D200454-40CA-4A62-9FC3-DE9A4176ACB9}">
+      <p15:notesGuideLst xmlns:p15="http://schemas.microsoft.com/office/powerpoint/2012/main"/>
+    </p:ext>
+  </p:extLst>
 </p:presentation>
 </file>
 
@@ -158,10 +166,9 @@
           </a:lstStyle>
           <a:p>
             <a:r>
-              <a:rPr lang="en-US" smtClean="0"/>
+              <a:rPr lang="en-US"/>
               <a:t>Click to edit Master title style</a:t>
             </a:r>
-            <a:endParaRPr lang="en-US"/>
           </a:p>
         </p:txBody>
       </p:sp>
@@ -223,10 +230,9 @@
           </a:lstStyle>
           <a:p>
             <a:r>
-              <a:rPr lang="en-US" smtClean="0"/>
+              <a:rPr lang="en-US"/>
               <a:t>Click to edit Master subtitle style</a:t>
             </a:r>
-            <a:endParaRPr lang="en-US"/>
           </a:p>
         </p:txBody>
       </p:sp>
@@ -247,6 +253,7 @@
           <a:p>
             <a:fld id="{FDE934FF-F4E1-47C5-9CA5-30A81DDE2BE4}" type="datetimeFigureOut">
               <a:rPr lang="en-US" smtClean="0"/>
+              <a:t>4/24/2018</a:t>
             </a:fld>
             <a:endParaRPr lang="en-US"/>
           </a:p>
@@ -288,6 +295,7 @@
           <a:p>
             <a:fld id="{B3561BA9-CDCF-4958-B8AB-66F3BF063E13}" type="slidenum">
               <a:rPr lang="en-US" smtClean="0"/>
+              <a:t>‹#›</a:t>
             </a:fld>
             <a:endParaRPr lang="en-US"/>
           </a:p>
@@ -335,10 +343,9 @@
           <a:lstStyle/>
           <a:p>
             <a:r>
-              <a:rPr lang="en-US" smtClean="0"/>
+              <a:rPr lang="en-US"/>
               <a:t>Click to edit Master title style</a:t>
             </a:r>
-            <a:endParaRPr lang="en-US"/>
           </a:p>
         </p:txBody>
       </p:sp>
@@ -359,42 +366,37 @@
           <a:p>
             <a:pPr lvl="0"/>
             <a:r>
-              <a:rPr lang="en-US" smtClean="0"/>
+              <a:rPr lang="en-US"/>
               <a:t>Click to edit Master text styles</a:t>
             </a:r>
-            <a:endParaRPr lang="en-US" smtClean="0"/>
           </a:p>
           <a:p>
             <a:pPr lvl="1"/>
             <a:r>
-              <a:rPr lang="en-US" smtClean="0"/>
+              <a:rPr lang="en-US"/>
               <a:t>Second level</a:t>
             </a:r>
-            <a:endParaRPr lang="en-US" smtClean="0"/>
           </a:p>
           <a:p>
             <a:pPr lvl="2"/>
             <a:r>
-              <a:rPr lang="en-US" smtClean="0"/>
+              <a:rPr lang="en-US"/>
               <a:t>Third level</a:t>
             </a:r>
-            <a:endParaRPr lang="en-US" smtClean="0"/>
           </a:p>
           <a:p>
             <a:pPr lvl="3"/>
             <a:r>
-              <a:rPr lang="en-US" smtClean="0"/>
+              <a:rPr lang="en-US"/>
               <a:t>Fourth level</a:t>
             </a:r>
-            <a:endParaRPr lang="en-US" smtClean="0"/>
           </a:p>
           <a:p>
             <a:pPr lvl="4"/>
             <a:r>
-              <a:rPr lang="en-US" smtClean="0"/>
+              <a:rPr lang="en-US"/>
               <a:t>Fifth level</a:t>
             </a:r>
-            <a:endParaRPr lang="en-US"/>
           </a:p>
         </p:txBody>
       </p:sp>
@@ -429,7 +431,7 @@
               <a:buNone/>
               <a:defRPr/>
             </a:pPr>
-            <a:endParaRPr kumimoji="0" lang="en-US" altLang="zh-CN" sz="1400" b="0" i="0" u="none" strike="noStrike" kern="1200" cap="none" spc="0" normalizeH="0" baseline="0" noProof="0" smtClean="0">
+            <a:endParaRPr kumimoji="0" lang="en-US" altLang="zh-CN" sz="1400" b="0" i="0" u="none" strike="noStrike" kern="1200" cap="none" spc="0" normalizeH="0" baseline="0" noProof="0">
               <a:ln>
                 <a:noFill/>
               </a:ln>
@@ -477,7 +479,7 @@
               <a:buNone/>
               <a:defRPr/>
             </a:pPr>
-            <a:endParaRPr kumimoji="0" lang="en-US" altLang="zh-CN" sz="1400" b="0" i="0" u="none" strike="noStrike" kern="1200" cap="none" spc="0" normalizeH="0" baseline="0" noProof="0" smtClean="0">
+            <a:endParaRPr kumimoji="0" lang="en-US" altLang="zh-CN" sz="1400" b="0" i="0" u="none" strike="noStrike" kern="1200" cap="none" spc="0" normalizeH="0" baseline="0" noProof="0">
               <a:ln>
                 <a:noFill/>
               </a:ln>
@@ -540,8 +542,9 @@
                 <a:ea typeface="SimSun" panose="02010600030101010101" pitchFamily="2" charset="-122"/>
                 <a:cs typeface="+mn-cs"/>
               </a:rPr>
+              <a:t>‹#›</a:t>
             </a:fld>
-            <a:endParaRPr kumimoji="0" lang="en-US" altLang="zh-CN" sz="1400" b="0" i="0" u="none" strike="noStrike" kern="1200" cap="none" spc="0" normalizeH="0" baseline="0" noProof="0" smtClean="0">
+            <a:endParaRPr kumimoji="0" lang="en-US" altLang="zh-CN" sz="1400" b="0" i="0" u="none" strike="noStrike" kern="1200" cap="none" spc="0" normalizeH="0" baseline="0" noProof="0">
               <a:ln>
                 <a:noFill/>
               </a:ln>
@@ -605,10 +608,9 @@
           <a:lstStyle/>
           <a:p>
             <a:r>
-              <a:rPr lang="en-US" smtClean="0"/>
+              <a:rPr lang="en-US"/>
               <a:t>Click to edit Master title style</a:t>
             </a:r>
-            <a:endParaRPr lang="en-US"/>
           </a:p>
         </p:txBody>
       </p:sp>
@@ -634,42 +636,37 @@
           <a:p>
             <a:pPr lvl="0"/>
             <a:r>
-              <a:rPr lang="en-US" smtClean="0"/>
+              <a:rPr lang="en-US"/>
               <a:t>Click to edit Master text styles</a:t>
             </a:r>
-            <a:endParaRPr lang="en-US" smtClean="0"/>
           </a:p>
           <a:p>
             <a:pPr lvl="1"/>
             <a:r>
-              <a:rPr lang="en-US" smtClean="0"/>
+              <a:rPr lang="en-US"/>
               <a:t>Second level</a:t>
             </a:r>
-            <a:endParaRPr lang="en-US" smtClean="0"/>
           </a:p>
           <a:p>
             <a:pPr lvl="2"/>
             <a:r>
-              <a:rPr lang="en-US" smtClean="0"/>
+              <a:rPr lang="en-US"/>
               <a:t>Third level</a:t>
             </a:r>
-            <a:endParaRPr lang="en-US" smtClean="0"/>
           </a:p>
           <a:p>
             <a:pPr lvl="3"/>
             <a:r>
-              <a:rPr lang="en-US" smtClean="0"/>
+              <a:rPr lang="en-US"/>
               <a:t>Fourth level</a:t>
             </a:r>
-            <a:endParaRPr lang="en-US" smtClean="0"/>
           </a:p>
           <a:p>
             <a:pPr lvl="4"/>
             <a:r>
-              <a:rPr lang="en-US" smtClean="0"/>
+              <a:rPr lang="en-US"/>
               <a:t>Fifth level</a:t>
             </a:r>
-            <a:endParaRPr lang="en-US"/>
           </a:p>
         </p:txBody>
       </p:sp>
@@ -690,6 +687,7 @@
           <a:p>
             <a:fld id="{FDE934FF-F4E1-47C5-9CA5-30A81DDE2BE4}" type="datetimeFigureOut">
               <a:rPr lang="en-US" smtClean="0"/>
+              <a:t>4/24/2018</a:t>
             </a:fld>
             <a:endParaRPr lang="en-US"/>
           </a:p>
@@ -731,6 +729,7 @@
           <a:p>
             <a:fld id="{B3561BA9-CDCF-4958-B8AB-66F3BF063E13}" type="slidenum">
               <a:rPr lang="en-US" smtClean="0"/>
+              <a:t>‹#›</a:t>
             </a:fld>
             <a:endParaRPr lang="en-US"/>
           </a:p>
@@ -778,10 +777,9 @@
           <a:lstStyle/>
           <a:p>
             <a:r>
-              <a:rPr lang="en-US" smtClean="0"/>
+              <a:rPr lang="en-US"/>
               <a:t>Click to edit Master title style</a:t>
             </a:r>
-            <a:endParaRPr lang="en-US"/>
           </a:p>
         </p:txBody>
       </p:sp>
@@ -802,42 +800,37 @@
           <a:p>
             <a:pPr lvl="0"/>
             <a:r>
-              <a:rPr lang="en-US" smtClean="0"/>
+              <a:rPr lang="en-US"/>
               <a:t>Click to edit Master text styles</a:t>
             </a:r>
-            <a:endParaRPr lang="en-US" smtClean="0"/>
           </a:p>
           <a:p>
             <a:pPr lvl="1"/>
             <a:r>
-              <a:rPr lang="en-US" smtClean="0"/>
+              <a:rPr lang="en-US"/>
               <a:t>Second level</a:t>
             </a:r>
-            <a:endParaRPr lang="en-US" smtClean="0"/>
           </a:p>
           <a:p>
             <a:pPr lvl="2"/>
             <a:r>
-              <a:rPr lang="en-US" smtClean="0"/>
+              <a:rPr lang="en-US"/>
               <a:t>Third level</a:t>
             </a:r>
-            <a:endParaRPr lang="en-US" smtClean="0"/>
           </a:p>
           <a:p>
             <a:pPr lvl="3"/>
             <a:r>
-              <a:rPr lang="en-US" smtClean="0"/>
+              <a:rPr lang="en-US"/>
               <a:t>Fourth level</a:t>
             </a:r>
-            <a:endParaRPr lang="en-US" smtClean="0"/>
           </a:p>
           <a:p>
             <a:pPr lvl="4"/>
             <a:r>
-              <a:rPr lang="en-US" smtClean="0"/>
+              <a:rPr lang="en-US"/>
               <a:t>Fifth level</a:t>
             </a:r>
-            <a:endParaRPr lang="en-US"/>
           </a:p>
         </p:txBody>
       </p:sp>
@@ -858,6 +851,7 @@
           <a:p>
             <a:fld id="{FDE934FF-F4E1-47C5-9CA5-30A81DDE2BE4}" type="datetimeFigureOut">
               <a:rPr lang="en-US" smtClean="0"/>
+              <a:t>4/24/2018</a:t>
             </a:fld>
             <a:endParaRPr lang="en-US"/>
           </a:p>
@@ -899,6 +893,7 @@
           <a:p>
             <a:fld id="{B3561BA9-CDCF-4958-B8AB-66F3BF063E13}" type="slidenum">
               <a:rPr lang="en-US" smtClean="0"/>
+              <a:t>‹#›</a:t>
             </a:fld>
             <a:endParaRPr lang="en-US"/>
           </a:p>
@@ -955,10 +950,9 @@
           </a:lstStyle>
           <a:p>
             <a:r>
-              <a:rPr lang="en-US" smtClean="0"/>
+              <a:rPr lang="en-US"/>
               <a:t>Click to edit Master title style</a:t>
             </a:r>
-            <a:endParaRPr lang="en-US"/>
           </a:p>
         </p:txBody>
       </p:sp>
@@ -1075,10 +1069,9 @@
           <a:p>
             <a:pPr lvl="0"/>
             <a:r>
-              <a:rPr lang="en-US" smtClean="0"/>
+              <a:rPr lang="en-US"/>
               <a:t>Click to edit Master text styles</a:t>
             </a:r>
-            <a:endParaRPr lang="en-US" smtClean="0"/>
           </a:p>
         </p:txBody>
       </p:sp>
@@ -1099,6 +1092,7 @@
           <a:p>
             <a:fld id="{FDE934FF-F4E1-47C5-9CA5-30A81DDE2BE4}" type="datetimeFigureOut">
               <a:rPr lang="en-US" smtClean="0"/>
+              <a:t>4/24/2018</a:t>
             </a:fld>
             <a:endParaRPr lang="en-US"/>
           </a:p>
@@ -1140,6 +1134,7 @@
           <a:p>
             <a:fld id="{B3561BA9-CDCF-4958-B8AB-66F3BF063E13}" type="slidenum">
               <a:rPr lang="en-US" smtClean="0"/>
+              <a:t>‹#›</a:t>
             </a:fld>
             <a:endParaRPr lang="en-US"/>
           </a:p>
@@ -1187,10 +1182,9 @@
           <a:lstStyle/>
           <a:p>
             <a:r>
-              <a:rPr lang="en-US" smtClean="0"/>
+              <a:rPr lang="en-US"/>
               <a:t>Click to edit Master title style</a:t>
             </a:r>
-            <a:endParaRPr lang="en-US"/>
           </a:p>
         </p:txBody>
       </p:sp>
@@ -1216,42 +1210,37 @@
           <a:p>
             <a:pPr lvl="0"/>
             <a:r>
-              <a:rPr lang="en-US" smtClean="0"/>
+              <a:rPr lang="en-US"/>
               <a:t>Click to edit Master text styles</a:t>
             </a:r>
-            <a:endParaRPr lang="en-US" smtClean="0"/>
           </a:p>
           <a:p>
             <a:pPr lvl="1"/>
             <a:r>
-              <a:rPr lang="en-US" smtClean="0"/>
+              <a:rPr lang="en-US"/>
               <a:t>Second level</a:t>
             </a:r>
-            <a:endParaRPr lang="en-US" smtClean="0"/>
           </a:p>
           <a:p>
             <a:pPr lvl="2"/>
             <a:r>
-              <a:rPr lang="en-US" smtClean="0"/>
+              <a:rPr lang="en-US"/>
               <a:t>Third level</a:t>
             </a:r>
-            <a:endParaRPr lang="en-US" smtClean="0"/>
           </a:p>
           <a:p>
             <a:pPr lvl="3"/>
             <a:r>
-              <a:rPr lang="en-US" smtClean="0"/>
+              <a:rPr lang="en-US"/>
               <a:t>Fourth level</a:t>
             </a:r>
-            <a:endParaRPr lang="en-US" smtClean="0"/>
           </a:p>
           <a:p>
             <a:pPr lvl="4"/>
             <a:r>
-              <a:rPr lang="en-US" smtClean="0"/>
+              <a:rPr lang="en-US"/>
               <a:t>Fifth level</a:t>
             </a:r>
-            <a:endParaRPr lang="en-US"/>
           </a:p>
         </p:txBody>
       </p:sp>
@@ -1277,42 +1266,37 @@
           <a:p>
             <a:pPr lvl="0"/>
             <a:r>
-              <a:rPr lang="en-US" smtClean="0"/>
+              <a:rPr lang="en-US"/>
               <a:t>Click to edit Master text styles</a:t>
             </a:r>
-            <a:endParaRPr lang="en-US" smtClean="0"/>
           </a:p>
           <a:p>
             <a:pPr lvl="1"/>
             <a:r>
-              <a:rPr lang="en-US" smtClean="0"/>
+              <a:rPr lang="en-US"/>
               <a:t>Second level</a:t>
             </a:r>
-            <a:endParaRPr lang="en-US" smtClean="0"/>
           </a:p>
           <a:p>
             <a:pPr lvl="2"/>
             <a:r>
-              <a:rPr lang="en-US" smtClean="0"/>
+              <a:rPr lang="en-US"/>
               <a:t>Third level</a:t>
             </a:r>
-            <a:endParaRPr lang="en-US" smtClean="0"/>
           </a:p>
           <a:p>
             <a:pPr lvl="3"/>
             <a:r>
-              <a:rPr lang="en-US" smtClean="0"/>
+              <a:rPr lang="en-US"/>
               <a:t>Fourth level</a:t>
             </a:r>
-            <a:endParaRPr lang="en-US" smtClean="0"/>
           </a:p>
           <a:p>
             <a:pPr lvl="4"/>
             <a:r>
-              <a:rPr lang="en-US" smtClean="0"/>
+              <a:rPr lang="en-US"/>
               <a:t>Fifth level</a:t>
             </a:r>
-            <a:endParaRPr lang="en-US"/>
           </a:p>
         </p:txBody>
       </p:sp>
@@ -1333,6 +1317,7 @@
           <a:p>
             <a:fld id="{FDE934FF-F4E1-47C5-9CA5-30A81DDE2BE4}" type="datetimeFigureOut">
               <a:rPr lang="en-US" smtClean="0"/>
+              <a:t>4/24/2018</a:t>
             </a:fld>
             <a:endParaRPr lang="en-US"/>
           </a:p>
@@ -1374,6 +1359,7 @@
           <a:p>
             <a:fld id="{B3561BA9-CDCF-4958-B8AB-66F3BF063E13}" type="slidenum">
               <a:rPr lang="en-US" smtClean="0"/>
+              <a:t>‹#›</a:t>
             </a:fld>
             <a:endParaRPr lang="en-US"/>
           </a:p>
@@ -1426,10 +1412,9 @@
           <a:lstStyle/>
           <a:p>
             <a:r>
-              <a:rPr lang="en-US" smtClean="0"/>
+              <a:rPr lang="en-US"/>
               <a:t>Click to edit Master title style</a:t>
             </a:r>
-            <a:endParaRPr lang="en-US"/>
           </a:p>
         </p:txBody>
       </p:sp>
@@ -1492,10 +1477,9 @@
           <a:p>
             <a:pPr lvl="0"/>
             <a:r>
-              <a:rPr lang="en-US" smtClean="0"/>
+              <a:rPr lang="en-US"/>
               <a:t>Click to edit Master text styles</a:t>
             </a:r>
-            <a:endParaRPr lang="en-US" smtClean="0"/>
           </a:p>
         </p:txBody>
       </p:sp>
@@ -1521,42 +1505,37 @@
           <a:p>
             <a:pPr lvl="0"/>
             <a:r>
-              <a:rPr lang="en-US" smtClean="0"/>
+              <a:rPr lang="en-US"/>
               <a:t>Click to edit Master text styles</a:t>
             </a:r>
-            <a:endParaRPr lang="en-US" smtClean="0"/>
           </a:p>
           <a:p>
             <a:pPr lvl="1"/>
             <a:r>
-              <a:rPr lang="en-US" smtClean="0"/>
+              <a:rPr lang="en-US"/>
               <a:t>Second level</a:t>
             </a:r>
-            <a:endParaRPr lang="en-US" smtClean="0"/>
           </a:p>
           <a:p>
             <a:pPr lvl="2"/>
             <a:r>
-              <a:rPr lang="en-US" smtClean="0"/>
+              <a:rPr lang="en-US"/>
               <a:t>Third level</a:t>
             </a:r>
-            <a:endParaRPr lang="en-US" smtClean="0"/>
           </a:p>
           <a:p>
             <a:pPr lvl="3"/>
             <a:r>
-              <a:rPr lang="en-US" smtClean="0"/>
+              <a:rPr lang="en-US"/>
               <a:t>Fourth level</a:t>
             </a:r>
-            <a:endParaRPr lang="en-US" smtClean="0"/>
           </a:p>
           <a:p>
             <a:pPr lvl="4"/>
             <a:r>
-              <a:rPr lang="en-US" smtClean="0"/>
+              <a:rPr lang="en-US"/>
               <a:t>Fifth level</a:t>
             </a:r>
-            <a:endParaRPr lang="en-US"/>
           </a:p>
         </p:txBody>
       </p:sp>
@@ -1619,10 +1598,9 @@
           <a:p>
             <a:pPr lvl="0"/>
             <a:r>
-              <a:rPr lang="en-US" smtClean="0"/>
+              <a:rPr lang="en-US"/>
               <a:t>Click to edit Master text styles</a:t>
             </a:r>
-            <a:endParaRPr lang="en-US" smtClean="0"/>
           </a:p>
         </p:txBody>
       </p:sp>
@@ -1648,42 +1626,37 @@
           <a:p>
             <a:pPr lvl="0"/>
             <a:r>
-              <a:rPr lang="en-US" smtClean="0"/>
+              <a:rPr lang="en-US"/>
               <a:t>Click to edit Master text styles</a:t>
             </a:r>
-            <a:endParaRPr lang="en-US" smtClean="0"/>
           </a:p>
           <a:p>
             <a:pPr lvl="1"/>
             <a:r>
-              <a:rPr lang="en-US" smtClean="0"/>
+              <a:rPr lang="en-US"/>
               <a:t>Second level</a:t>
             </a:r>
-            <a:endParaRPr lang="en-US" smtClean="0"/>
           </a:p>
           <a:p>
             <a:pPr lvl="2"/>
             <a:r>
-              <a:rPr lang="en-US" smtClean="0"/>
+              <a:rPr lang="en-US"/>
               <a:t>Third level</a:t>
             </a:r>
-            <a:endParaRPr lang="en-US" smtClean="0"/>
           </a:p>
           <a:p>
             <a:pPr lvl="3"/>
             <a:r>
-              <a:rPr lang="en-US" smtClean="0"/>
+              <a:rPr lang="en-US"/>
               <a:t>Fourth level</a:t>
             </a:r>
-            <a:endParaRPr lang="en-US" smtClean="0"/>
           </a:p>
           <a:p>
             <a:pPr lvl="4"/>
             <a:r>
-              <a:rPr lang="en-US" smtClean="0"/>
+              <a:rPr lang="en-US"/>
               <a:t>Fifth level</a:t>
             </a:r>
-            <a:endParaRPr lang="en-US"/>
           </a:p>
         </p:txBody>
       </p:sp>
@@ -1704,6 +1677,7 @@
           <a:p>
             <a:fld id="{FDE934FF-F4E1-47C5-9CA5-30A81DDE2BE4}" type="datetimeFigureOut">
               <a:rPr lang="en-US" smtClean="0"/>
+              <a:t>4/24/2018</a:t>
             </a:fld>
             <a:endParaRPr lang="en-US"/>
           </a:p>
@@ -1745,6 +1719,7 @@
           <a:p>
             <a:fld id="{B3561BA9-CDCF-4958-B8AB-66F3BF063E13}" type="slidenum">
               <a:rPr lang="en-US" smtClean="0"/>
+              <a:t>‹#›</a:t>
             </a:fld>
             <a:endParaRPr lang="en-US"/>
           </a:p>
@@ -1792,10 +1767,9 @@
           <a:lstStyle/>
           <a:p>
             <a:r>
-              <a:rPr lang="en-US" smtClean="0"/>
+              <a:rPr lang="en-US"/>
               <a:t>Click to edit Master title style</a:t>
             </a:r>
-            <a:endParaRPr lang="en-US"/>
           </a:p>
         </p:txBody>
       </p:sp>
@@ -1816,6 +1790,7 @@
           <a:p>
             <a:fld id="{FDE934FF-F4E1-47C5-9CA5-30A81DDE2BE4}" type="datetimeFigureOut">
               <a:rPr lang="en-US" smtClean="0"/>
+              <a:t>4/24/2018</a:t>
             </a:fld>
             <a:endParaRPr lang="en-US"/>
           </a:p>
@@ -1857,6 +1832,7 @@
           <a:p>
             <a:fld id="{B3561BA9-CDCF-4958-B8AB-66F3BF063E13}" type="slidenum">
               <a:rPr lang="en-US" smtClean="0"/>
+              <a:t>‹#›</a:t>
             </a:fld>
             <a:endParaRPr lang="en-US"/>
           </a:p>
@@ -1905,6 +1881,7 @@
           <a:p>
             <a:fld id="{FDE934FF-F4E1-47C5-9CA5-30A81DDE2BE4}" type="datetimeFigureOut">
               <a:rPr lang="en-US" smtClean="0"/>
+              <a:t>4/24/2018</a:t>
             </a:fld>
             <a:endParaRPr lang="en-US"/>
           </a:p>
@@ -1946,6 +1923,7 @@
           <a:p>
             <a:fld id="{B3561BA9-CDCF-4958-B8AB-66F3BF063E13}" type="slidenum">
               <a:rPr lang="en-US" smtClean="0"/>
+              <a:t>‹#›</a:t>
             </a:fld>
             <a:endParaRPr lang="en-US"/>
           </a:p>
@@ -2002,10 +1980,9 @@
           </a:lstStyle>
           <a:p>
             <a:r>
-              <a:rPr lang="en-US" smtClean="0"/>
+              <a:rPr lang="en-US"/>
               <a:t>Click to edit Master title style</a:t>
             </a:r>
-            <a:endParaRPr lang="en-US"/>
           </a:p>
         </p:txBody>
       </p:sp>
@@ -2059,42 +2036,37 @@
           <a:p>
             <a:pPr lvl="0"/>
             <a:r>
-              <a:rPr lang="en-US" smtClean="0"/>
+              <a:rPr lang="en-US"/>
               <a:t>Click to edit Master text styles</a:t>
             </a:r>
-            <a:endParaRPr lang="en-US" smtClean="0"/>
           </a:p>
           <a:p>
             <a:pPr lvl="1"/>
             <a:r>
-              <a:rPr lang="en-US" smtClean="0"/>
+              <a:rPr lang="en-US"/>
               <a:t>Second level</a:t>
             </a:r>
-            <a:endParaRPr lang="en-US" smtClean="0"/>
           </a:p>
           <a:p>
             <a:pPr lvl="2"/>
             <a:r>
-              <a:rPr lang="en-US" smtClean="0"/>
+              <a:rPr lang="en-US"/>
               <a:t>Third level</a:t>
             </a:r>
-            <a:endParaRPr lang="en-US" smtClean="0"/>
           </a:p>
           <a:p>
             <a:pPr lvl="3"/>
             <a:r>
-              <a:rPr lang="en-US" smtClean="0"/>
+              <a:rPr lang="en-US"/>
               <a:t>Fourth level</a:t>
             </a:r>
-            <a:endParaRPr lang="en-US" smtClean="0"/>
           </a:p>
           <a:p>
             <a:pPr lvl="4"/>
             <a:r>
-              <a:rPr lang="en-US" smtClean="0"/>
+              <a:rPr lang="en-US"/>
               <a:t>Fifth level</a:t>
             </a:r>
-            <a:endParaRPr lang="en-US"/>
           </a:p>
         </p:txBody>
       </p:sp>
@@ -2157,10 +2129,9 @@
           <a:p>
             <a:pPr lvl="0"/>
             <a:r>
-              <a:rPr lang="en-US" smtClean="0"/>
+              <a:rPr lang="en-US"/>
               <a:t>Click to edit Master text styles</a:t>
             </a:r>
-            <a:endParaRPr lang="en-US" smtClean="0"/>
           </a:p>
         </p:txBody>
       </p:sp>
@@ -2195,7 +2166,7 @@
               <a:buNone/>
               <a:defRPr/>
             </a:pPr>
-            <a:endParaRPr kumimoji="0" lang="en-US" altLang="zh-CN" sz="1400" b="0" i="0" u="none" strike="noStrike" kern="1200" cap="none" spc="0" normalizeH="0" baseline="0" noProof="0" smtClean="0">
+            <a:endParaRPr kumimoji="0" lang="en-US" altLang="zh-CN" sz="1400" b="0" i="0" u="none" strike="noStrike" kern="1200" cap="none" spc="0" normalizeH="0" baseline="0" noProof="0">
               <a:ln>
                 <a:noFill/>
               </a:ln>
@@ -2243,7 +2214,7 @@
               <a:buNone/>
               <a:defRPr/>
             </a:pPr>
-            <a:endParaRPr kumimoji="0" lang="en-US" altLang="zh-CN" sz="1400" b="0" i="0" u="none" strike="noStrike" kern="1200" cap="none" spc="0" normalizeH="0" baseline="0" noProof="0" smtClean="0">
+            <a:endParaRPr kumimoji="0" lang="en-US" altLang="zh-CN" sz="1400" b="0" i="0" u="none" strike="noStrike" kern="1200" cap="none" spc="0" normalizeH="0" baseline="0" noProof="0">
               <a:ln>
                 <a:noFill/>
               </a:ln>
@@ -2306,8 +2277,9 @@
                 <a:ea typeface="SimSun" panose="02010600030101010101" pitchFamily="2" charset="-122"/>
                 <a:cs typeface="+mn-cs"/>
               </a:rPr>
+              <a:t>‹#›</a:t>
             </a:fld>
-            <a:endParaRPr kumimoji="0" lang="en-US" altLang="zh-CN" sz="1400" b="0" i="0" u="none" strike="noStrike" kern="1200" cap="none" spc="0" normalizeH="0" baseline="0" noProof="0" smtClean="0">
+            <a:endParaRPr kumimoji="0" lang="en-US" altLang="zh-CN" sz="1400" b="0" i="0" u="none" strike="noStrike" kern="1200" cap="none" spc="0" normalizeH="0" baseline="0" noProof="0">
               <a:ln>
                 <a:noFill/>
               </a:ln>
@@ -2375,10 +2347,9 @@
           </a:lstStyle>
           <a:p>
             <a:r>
-              <a:rPr lang="en-US" smtClean="0"/>
+              <a:rPr lang="en-US"/>
               <a:t>Click to edit Master title style</a:t>
             </a:r>
-            <a:endParaRPr lang="en-US"/>
           </a:p>
         </p:txBody>
       </p:sp>
@@ -2502,10 +2473,9 @@
           <a:p>
             <a:pPr lvl="0"/>
             <a:r>
-              <a:rPr lang="en-US" smtClean="0"/>
+              <a:rPr lang="en-US"/>
               <a:t>Click to edit Master text styles</a:t>
             </a:r>
-            <a:endParaRPr lang="en-US" smtClean="0"/>
           </a:p>
         </p:txBody>
       </p:sp>
@@ -2526,6 +2496,7 @@
           <a:p>
             <a:fld id="{FDE934FF-F4E1-47C5-9CA5-30A81DDE2BE4}" type="datetimeFigureOut">
               <a:rPr lang="en-US" smtClean="0"/>
+              <a:t>4/24/2018</a:t>
             </a:fld>
             <a:endParaRPr lang="en-US"/>
           </a:p>
@@ -2567,6 +2538,7 @@
           <a:p>
             <a:fld id="{B3561BA9-CDCF-4958-B8AB-66F3BF063E13}" type="slidenum">
               <a:rPr lang="en-US" smtClean="0"/>
+              <a:t>‹#›</a:t>
             </a:fld>
             <a:endParaRPr lang="en-US"/>
           </a:p>
@@ -2577,13 +2549,6 @@
   <p:clrMapOvr>
     <a:masterClrMapping/>
   </p:clrMapOvr>
-  <p:timing>
-    <p:tnLst>
-      <p:par>
-        <p:cTn id="1" dur="indefinite" restart="never" nodeType="tmRoot"/>
-      </p:par>
-    </p:tnLst>
-  </p:timing>
   <p:hf sldNum="0" hdr="0" ftr="0" dt="0"/>
 </p:sldLayout>
 </file>
@@ -2607,11 +2572,20 @@
         <p:cNvGrpSpPr/>
         <p:nvPr/>
       </p:nvGrpSpPr>
-      <p:grpSpPr/>
+      <p:grpSpPr>
+        <a:xfrm>
+          <a:off x="0" y="0"/>
+          <a:ext cx="0" cy="0"/>
+          <a:chOff x="0" y="0"/>
+          <a:chExt cx="0" cy="0"/>
+        </a:xfrm>
+      </p:grpSpPr>
       <p:sp>
         <p:nvSpPr>
           <p:cNvPr id="1026" name="Title 1025"/>
-          <p:cNvSpPr/>
+          <p:cNvSpPr>
+            <a:spLocks noGrp="1"/>
+          </p:cNvSpPr>
           <p:nvPr>
             <p:ph type="title"/>
           </p:nvPr>
@@ -2631,6 +2605,7 @@
         </p:spPr>
         <p:txBody>
           <a:bodyPr anchor="ctr"/>
+          <a:lstStyle/>
           <a:p>
             <a:pPr lvl="0"/>
             <a:r>
@@ -2642,7 +2617,9 @@
       <p:sp>
         <p:nvSpPr>
           <p:cNvPr id="1027" name="Text Placeholder 1026"/>
-          <p:cNvSpPr/>
+          <p:cNvSpPr>
+            <a:spLocks noGrp="1"/>
+          </p:cNvSpPr>
           <p:nvPr>
             <p:ph type="body" idx="1"/>
           </p:nvPr>
@@ -2662,6 +2639,7 @@
         </p:spPr>
         <p:txBody>
           <a:bodyPr/>
+          <a:lstStyle/>
           <a:p>
             <a:pPr lvl="0"/>
             <a:r>
@@ -2697,7 +2675,9 @@
       <p:sp>
         <p:nvSpPr>
           <p:cNvPr id="1028" name="Date Placeholder 1027"/>
-          <p:cNvSpPr/>
+          <p:cNvSpPr>
+            <a:spLocks noGrp="1"/>
+          </p:cNvSpPr>
           <p:nvPr>
             <p:ph type="dt" sz="half" idx="2"/>
           </p:nvPr>
@@ -2725,6 +2705,7 @@
           <a:p>
             <a:fld id="{FDE934FF-F4E1-47C5-9CA5-30A81DDE2BE4}" type="datetimeFigureOut">
               <a:rPr lang="en-US" smtClean="0"/>
+              <a:t>4/24/2018</a:t>
             </a:fld>
             <a:endParaRPr lang="en-US"/>
           </a:p>
@@ -2733,7 +2714,9 @@
       <p:sp>
         <p:nvSpPr>
           <p:cNvPr id="1029" name="Footer Placeholder 1028"/>
-          <p:cNvSpPr/>
+          <p:cNvSpPr>
+            <a:spLocks noGrp="1"/>
+          </p:cNvSpPr>
           <p:nvPr>
             <p:ph type="ftr" sz="quarter" idx="3"/>
           </p:nvPr>
@@ -2766,7 +2749,9 @@
       <p:sp>
         <p:nvSpPr>
           <p:cNvPr id="1030" name="Slide Number Placeholder 1029"/>
-          <p:cNvSpPr/>
+          <p:cNvSpPr>
+            <a:spLocks noGrp="1"/>
+          </p:cNvSpPr>
           <p:nvPr>
             <p:ph type="sldNum" sz="quarter" idx="4"/>
           </p:nvPr>
@@ -2794,6 +2779,7 @@
           <a:p>
             <a:fld id="{B3561BA9-CDCF-4958-B8AB-66F3BF063E13}" type="slidenum">
               <a:rPr lang="en-US" smtClean="0"/>
+              <a:t>‹#›</a:t>
             </a:fld>
             <a:endParaRPr lang="en-US"/>
           </a:p>
@@ -3235,7 +3221,14 @@
         <p:cNvGrpSpPr/>
         <p:nvPr/>
       </p:nvGrpSpPr>
-      <p:grpSpPr/>
+      <p:grpSpPr>
+        <a:xfrm>
+          <a:off x="0" y="0"/>
+          <a:ext cx="0" cy="0"/>
+          <a:chOff x="0" y="0"/>
+          <a:chExt cx="0" cy="0"/>
+        </a:xfrm>
+      </p:grpSpPr>
       <p:sp>
         <p:nvSpPr>
           <p:cNvPr id="2" name="Title 1"/>
@@ -3254,6 +3247,7 @@
         </p:spPr>
         <p:txBody>
           <a:bodyPr/>
+          <a:lstStyle/>
           <a:p>
             <a:r>
               <a:rPr lang="en-US" sz="6000">
@@ -3271,19 +3265,6 @@
               </a:rPr>
               <a:t>Publication Management</a:t>
             </a:r>
-            <a:endParaRPr lang="en-US" sz="6000">
-              <a:ln/>
-              <a:solidFill>
-                <a:schemeClr val="accent1"/>
-              </a:solidFill>
-              <a:effectLst>
-                <a:outerShdw blurRad="38100" dist="25400" dir="5400000" algn="ctr" rotWithShape="0">
-                  <a:srgbClr val="6E747A">
-                    <a:alpha val="43000"/>
-                  </a:srgbClr>
-                </a:outerShdw>
-              </a:effectLst>
-            </a:endParaRPr>
           </a:p>
         </p:txBody>
       </p:sp>
@@ -3300,6 +3281,7 @@
         <p:spPr/>
         <p:txBody>
           <a:bodyPr/>
+          <a:lstStyle/>
           <a:p>
             <a:r>
               <a:rPr lang="en-US" sz="2400">
@@ -3309,11 +3291,6 @@
               </a:rPr>
               <a:t>Qazi Sajid Azam, B16CS026</a:t>
             </a:r>
-            <a:endParaRPr lang="en-US" sz="2400">
-              <a:solidFill>
-                <a:srgbClr val="C00000"/>
-              </a:solidFill>
-            </a:endParaRPr>
           </a:p>
           <a:p>
             <a:r>
@@ -3324,11 +3301,6 @@
               </a:rPr>
               <a:t>Rahul Jindal, B16CS027</a:t>
             </a:r>
-            <a:endParaRPr lang="en-US" sz="2400">
-              <a:solidFill>
-                <a:srgbClr val="C00000"/>
-              </a:solidFill>
-            </a:endParaRPr>
           </a:p>
         </p:txBody>
       </p:sp>
@@ -3349,7 +3321,14 @@
         <p:cNvGrpSpPr/>
         <p:nvPr/>
       </p:nvGrpSpPr>
-      <p:grpSpPr/>
+      <p:grpSpPr>
+        <a:xfrm>
+          <a:off x="0" y="0"/>
+          <a:ext cx="0" cy="0"/>
+          <a:chOff x="0" y="0"/>
+          <a:chExt cx="0" cy="0"/>
+        </a:xfrm>
+      </p:grpSpPr>
       <p:sp>
         <p:nvSpPr>
           <p:cNvPr id="4" name="Title 3"/>
@@ -3363,12 +3342,12 @@
         <p:spPr/>
         <p:txBody>
           <a:bodyPr/>
+          <a:lstStyle/>
           <a:p>
             <a:r>
               <a:rPr lang="en-US" sz="6600"/>
               <a:t>Thank You</a:t>
             </a:r>
-            <a:endParaRPr lang="en-US" sz="6600"/>
           </a:p>
         </p:txBody>
       </p:sp>
@@ -3385,6 +3364,7 @@
         <p:spPr/>
         <p:txBody>
           <a:bodyPr/>
+          <a:lstStyle/>
           <a:p>
             <a:endParaRPr lang="en-US"/>
           </a:p>
@@ -3407,7 +3387,14 @@
         <p:cNvGrpSpPr/>
         <p:nvPr/>
       </p:nvGrpSpPr>
-      <p:grpSpPr/>
+      <p:grpSpPr>
+        <a:xfrm>
+          <a:off x="0" y="0"/>
+          <a:ext cx="0" cy="0"/>
+          <a:chOff x="0" y="0"/>
+          <a:chExt cx="0" cy="0"/>
+        </a:xfrm>
+      </p:grpSpPr>
       <p:sp>
         <p:nvSpPr>
           <p:cNvPr id="2" name="Title 1"/>
@@ -3421,6 +3408,7 @@
         <p:spPr/>
         <p:txBody>
           <a:bodyPr/>
+          <a:lstStyle/>
           <a:p>
             <a:pPr algn="l"/>
             <a:r>
@@ -3431,11 +3419,6 @@
               </a:rPr>
               <a:t>Key Features</a:t>
             </a:r>
-            <a:endParaRPr lang="en-US">
-              <a:solidFill>
-                <a:srgbClr val="00B050"/>
-              </a:solidFill>
-            </a:endParaRPr>
           </a:p>
         </p:txBody>
       </p:sp>
@@ -3452,40 +3435,36 @@
         <p:spPr/>
         <p:txBody>
           <a:bodyPr/>
+          <a:lstStyle/>
           <a:p>
             <a:r>
               <a:rPr lang="en-US"/>
               <a:t>Search database using various filters</a:t>
             </a:r>
-            <a:endParaRPr lang="en-US"/>
           </a:p>
           <a:p>
             <a:r>
               <a:rPr lang="en-US"/>
               <a:t>Edit the database (Admin only)</a:t>
             </a:r>
-            <a:endParaRPr lang="en-US"/>
           </a:p>
           <a:p>
             <a:r>
               <a:rPr lang="en-US"/>
               <a:t>Generate statistics</a:t>
             </a:r>
-            <a:endParaRPr lang="en-US"/>
           </a:p>
           <a:p>
             <a:r>
               <a:rPr lang="en-US"/>
               <a:t>Get latest updates on changes made in database</a:t>
             </a:r>
-            <a:endParaRPr lang="en-US"/>
           </a:p>
           <a:p>
             <a:r>
               <a:rPr lang="en-US"/>
               <a:t>Login/Logout (Admin only)</a:t>
             </a:r>
-            <a:endParaRPr lang="en-US"/>
           </a:p>
         </p:txBody>
       </p:sp>
@@ -3506,7 +3485,14 @@
         <p:cNvGrpSpPr/>
         <p:nvPr/>
       </p:nvGrpSpPr>
-      <p:grpSpPr/>
+      <p:grpSpPr>
+        <a:xfrm>
+          <a:off x="0" y="0"/>
+          <a:ext cx="0" cy="0"/>
+          <a:chOff x="0" y="0"/>
+          <a:chExt cx="0" cy="0"/>
+        </a:xfrm>
+      </p:grpSpPr>
       <p:sp>
         <p:nvSpPr>
           <p:cNvPr id="2" name="Title 1"/>
@@ -3520,6 +3506,7 @@
         <p:spPr/>
         <p:txBody>
           <a:bodyPr/>
+          <a:lstStyle/>
           <a:p>
             <a:pPr algn="l"/>
             <a:r>
@@ -3530,11 +3517,6 @@
               </a:rPr>
               <a:t>List of Use Cases</a:t>
             </a:r>
-            <a:endParaRPr lang="en-US">
-              <a:solidFill>
-                <a:srgbClr val="00B050"/>
-              </a:solidFill>
-            </a:endParaRPr>
           </a:p>
         </p:txBody>
       </p:sp>
@@ -3551,68 +3533,60 @@
         <p:spPr/>
         <p:txBody>
           <a:bodyPr/>
+          <a:lstStyle/>
           <a:p>
             <a:r>
               <a:rPr lang="en-US" sz="2800"/>
               <a:t>&lt;abstract&gt; Search</a:t>
             </a:r>
-            <a:endParaRPr lang="en-US" sz="2800"/>
           </a:p>
           <a:p>
             <a:r>
               <a:rPr lang="en-US" sz="2800"/>
               <a:t>Search by paper title</a:t>
             </a:r>
-            <a:endParaRPr lang="en-US" sz="2800"/>
           </a:p>
           <a:p>
             <a:r>
               <a:rPr lang="en-US" sz="2800"/>
               <a:t>Search by author</a:t>
             </a:r>
-            <a:endParaRPr lang="en-US" sz="2800"/>
           </a:p>
           <a:p>
             <a:r>
               <a:rPr lang="en-US" sz="2800"/>
               <a:t>Search by year</a:t>
             </a:r>
-            <a:endParaRPr lang="en-US" sz="2800"/>
           </a:p>
           <a:p>
             <a:r>
               <a:rPr lang="en-US" sz="2800"/>
               <a:t>Search by journal title</a:t>
             </a:r>
-            <a:endParaRPr lang="en-US" sz="2800"/>
           </a:p>
           <a:p>
             <a:r>
               <a:rPr lang="en-US" sz="2800"/>
               <a:t>Search by DOI</a:t>
             </a:r>
-            <a:endParaRPr lang="en-US" sz="2800"/>
           </a:p>
           <a:p>
             <a:r>
               <a:rPr lang="en-US" sz="2800"/>
               <a:t>&lt;abstract&gt; Get Statistics</a:t>
             </a:r>
-            <a:endParaRPr lang="en-US" sz="2800"/>
           </a:p>
           <a:p>
             <a:r>
               <a:rPr lang="en-US" sz="2800"/>
               <a:t>Statistics by year</a:t>
             </a:r>
-            <a:endParaRPr lang="en-US" sz="2800"/>
           </a:p>
           <a:p>
             <a:r>
               <a:rPr lang="en-US" sz="2800"/>
               <a:t>Statistics by author</a:t>
             </a:r>
-            <a:endParaRPr lang="en-US" sz="2800"/>
           </a:p>
           <a:p>
             <a:endParaRPr lang="en-US" sz="2000"/>
@@ -3635,6 +3609,7 @@
         <p:spPr/>
         <p:txBody>
           <a:bodyPr/>
+          <a:lstStyle/>
           <a:p>
             <a:r>
               <a:rPr lang="en-US" sz="2800">
@@ -3717,7 +3692,14 @@
         <p:cNvGrpSpPr/>
         <p:nvPr/>
       </p:nvGrpSpPr>
-      <p:grpSpPr/>
+      <p:grpSpPr>
+        <a:xfrm>
+          <a:off x="0" y="0"/>
+          <a:ext cx="0" cy="0"/>
+          <a:chOff x="0" y="0"/>
+          <a:chExt cx="0" cy="0"/>
+        </a:xfrm>
+      </p:grpSpPr>
       <p:sp>
         <p:nvSpPr>
           <p:cNvPr id="5" name="Title 4"/>
@@ -3731,6 +3713,7 @@
         <p:spPr/>
         <p:txBody>
           <a:bodyPr/>
+          <a:lstStyle/>
           <a:p>
             <a:pPr algn="l"/>
             <a:r>
@@ -3741,11 +3724,6 @@
               </a:rPr>
               <a:t>Structure of database and file system</a:t>
             </a:r>
-            <a:endParaRPr lang="en-US">
-              <a:solidFill>
-                <a:srgbClr val="00B050"/>
-              </a:solidFill>
-            </a:endParaRPr>
           </a:p>
         </p:txBody>
       </p:sp>
@@ -3762,33 +3740,30 @@
         <p:spPr/>
         <p:txBody>
           <a:bodyPr/>
+          <a:lstStyle/>
           <a:p>
             <a:r>
               <a:rPr lang="en-US"/>
               <a:t>All data is stored in txt files</a:t>
             </a:r>
-            <a:endParaRPr lang="en-US"/>
           </a:p>
           <a:p>
             <a:r>
               <a:rPr lang="en-US"/>
               <a:t>When the program is started, all data is read and stored in a vector.</a:t>
             </a:r>
-            <a:endParaRPr lang="en-US"/>
           </a:p>
           <a:p>
             <a:r>
               <a:rPr lang="en-US"/>
               <a:t>A vector is a linear data structure like an array.</a:t>
             </a:r>
-            <a:endParaRPr lang="en-US"/>
           </a:p>
           <a:p>
             <a:r>
               <a:rPr lang="en-US"/>
               <a:t>All operations involving the vector such as searching use a linear pattern.</a:t>
             </a:r>
-            <a:endParaRPr lang="en-US"/>
           </a:p>
         </p:txBody>
       </p:sp>
@@ -3809,7 +3784,14 @@
         <p:cNvGrpSpPr/>
         <p:nvPr/>
       </p:nvGrpSpPr>
-      <p:grpSpPr/>
+      <p:grpSpPr>
+        <a:xfrm>
+          <a:off x="0" y="0"/>
+          <a:ext cx="0" cy="0"/>
+          <a:chOff x="0" y="0"/>
+          <a:chExt cx="0" cy="0"/>
+        </a:xfrm>
+      </p:grpSpPr>
       <p:sp>
         <p:nvSpPr>
           <p:cNvPr id="2" name="Title 1"/>
@@ -3823,6 +3805,7 @@
         <p:spPr/>
         <p:txBody>
           <a:bodyPr/>
+          <a:lstStyle/>
           <a:p>
             <a:pPr algn="l"/>
             <a:r>
@@ -3833,11 +3816,6 @@
               </a:rPr>
               <a:t>Things that could not be implemented</a:t>
             </a:r>
-            <a:endParaRPr lang="en-US">
-              <a:solidFill>
-                <a:srgbClr val="00B050"/>
-              </a:solidFill>
-            </a:endParaRPr>
           </a:p>
         </p:txBody>
       </p:sp>
@@ -3854,12 +3832,12 @@
         <p:spPr/>
         <p:txBody>
           <a:bodyPr/>
+          <a:lstStyle/>
           <a:p>
             <a:r>
               <a:rPr lang="en-US"/>
               <a:t>We have implemented pretty much everything that we have stated in the SRS, if not more.</a:t>
             </a:r>
-            <a:endParaRPr lang="en-US"/>
           </a:p>
         </p:txBody>
       </p:sp>
@@ -3880,7 +3858,14 @@
         <p:cNvGrpSpPr/>
         <p:nvPr/>
       </p:nvGrpSpPr>
-      <p:grpSpPr/>
+      <p:grpSpPr>
+        <a:xfrm>
+          <a:off x="0" y="0"/>
+          <a:ext cx="0" cy="0"/>
+          <a:chOff x="0" y="0"/>
+          <a:chExt cx="0" cy="0"/>
+        </a:xfrm>
+      </p:grpSpPr>
       <p:sp>
         <p:nvSpPr>
           <p:cNvPr id="2" name="Title 1"/>
@@ -3894,6 +3879,7 @@
         <p:spPr/>
         <p:txBody>
           <a:bodyPr/>
+          <a:lstStyle/>
           <a:p>
             <a:pPr algn="l"/>
             <a:r>
@@ -3904,11 +3890,6 @@
               </a:rPr>
               <a:t>Statistics of Unit and System Testing</a:t>
             </a:r>
-            <a:endParaRPr lang="en-US">
-              <a:solidFill>
-                <a:srgbClr val="00B050"/>
-              </a:solidFill>
-            </a:endParaRPr>
           </a:p>
         </p:txBody>
       </p:sp>
@@ -3925,33 +3906,30 @@
         <p:spPr/>
         <p:txBody>
           <a:bodyPr/>
+          <a:lstStyle/>
           <a:p>
             <a:r>
               <a:rPr lang="en-US"/>
               <a:t>We have identified test cases for unit testing by all functions in the code that are generating some output or taking input.</a:t>
             </a:r>
-            <a:endParaRPr lang="en-US"/>
           </a:p>
           <a:p>
             <a:r>
               <a:rPr lang="en-US"/>
               <a:t>For system testing, we have taken all use cases written in the SRS.</a:t>
             </a:r>
-            <a:endParaRPr lang="en-US"/>
           </a:p>
           <a:p>
             <a:r>
               <a:rPr lang="en-US"/>
               <a:t>We have not used any automated tools.</a:t>
             </a:r>
-            <a:endParaRPr lang="en-US"/>
           </a:p>
           <a:p>
             <a:r>
               <a:rPr lang="en-US"/>
               <a:t>We have not missed any test cases to the best of our knowledge.</a:t>
             </a:r>
-            <a:endParaRPr lang="en-US"/>
           </a:p>
         </p:txBody>
       </p:sp>
@@ -3972,7 +3950,14 @@
         <p:cNvGrpSpPr/>
         <p:nvPr/>
       </p:nvGrpSpPr>
-      <p:grpSpPr/>
+      <p:grpSpPr>
+        <a:xfrm>
+          <a:off x="0" y="0"/>
+          <a:ext cx="0" cy="0"/>
+          <a:chOff x="0" y="0"/>
+          <a:chExt cx="0" cy="0"/>
+        </a:xfrm>
+      </p:grpSpPr>
       <p:sp>
         <p:nvSpPr>
           <p:cNvPr id="4" name="Title 3"/>
@@ -3986,9 +3971,10 @@
         <p:spPr/>
         <p:txBody>
           <a:bodyPr/>
-          <a:p>
-            <a:r>
-              <a:rPr lang="en-US" sz="6000">
+          <a:lstStyle/>
+          <a:p>
+            <a:r>
+              <a:rPr lang="en-US" sz="6000" dirty="0">
                 <a:ln/>
                 <a:solidFill>
                   <a:schemeClr val="accent1"/>
@@ -4001,21 +3987,8 @@
                   </a:outerShdw>
                 </a:effectLst>
               </a:rPr>
-              <a:t>Vehicle Management</a:t>
-            </a:r>
-            <a:endParaRPr lang="en-US" sz="6000">
-              <a:ln/>
-              <a:solidFill>
-                <a:schemeClr val="accent1"/>
-              </a:solidFill>
-              <a:effectLst>
-                <a:outerShdw blurRad="38100" dist="25400" dir="5400000" algn="ctr" rotWithShape="0">
-                  <a:srgbClr val="6E747A">
-                    <a:alpha val="43000"/>
-                  </a:srgbClr>
-                </a:outerShdw>
-              </a:effectLst>
-            </a:endParaRPr>
+              <a:t>Vehicle Payment software</a:t>
+            </a:r>
           </a:p>
         </p:txBody>
       </p:sp>
@@ -4032,6 +4005,7 @@
         <p:spPr/>
         <p:txBody>
           <a:bodyPr/>
+          <a:lstStyle/>
           <a:p>
             <a:endParaRPr lang="en-US"/>
           </a:p>
@@ -4054,7 +4028,14 @@
         <p:cNvGrpSpPr/>
         <p:nvPr/>
       </p:nvGrpSpPr>
-      <p:grpSpPr/>
+      <p:grpSpPr>
+        <a:xfrm>
+          <a:off x="0" y="0"/>
+          <a:ext cx="0" cy="0"/>
+          <a:chOff x="0" y="0"/>
+          <a:chExt cx="0" cy="0"/>
+        </a:xfrm>
+      </p:grpSpPr>
       <p:sp>
         <p:nvSpPr>
           <p:cNvPr id="2" name="Title 1"/>
@@ -4068,6 +4049,7 @@
         <p:spPr/>
         <p:txBody>
           <a:bodyPr/>
+          <a:lstStyle/>
           <a:p>
             <a:pPr algn="l"/>
             <a:r>
@@ -4078,11 +4060,6 @@
               </a:rPr>
               <a:t>List of Use Cases Tested</a:t>
             </a:r>
-            <a:endParaRPr lang="en-US">
-              <a:solidFill>
-                <a:srgbClr val="00B050"/>
-              </a:solidFill>
-            </a:endParaRPr>
           </a:p>
         </p:txBody>
       </p:sp>
@@ -4099,8 +4076,30 @@
         <p:spPr/>
         <p:txBody>
           <a:bodyPr/>
-          <a:p>
-            <a:endParaRPr lang="en-US"/>
+          <a:lstStyle/>
+          <a:p>
+            <a:r>
+              <a:rPr lang="en-US" dirty="0"/>
+              <a:t>Login</a:t>
+            </a:r>
+          </a:p>
+          <a:p>
+            <a:r>
+              <a:rPr lang="en-US" dirty="0"/>
+              <a:t>Enter vehicle data</a:t>
+            </a:r>
+          </a:p>
+          <a:p>
+            <a:r>
+              <a:rPr lang="en-US" dirty="0"/>
+              <a:t>Generate Bill</a:t>
+            </a:r>
+          </a:p>
+          <a:p>
+            <a:r>
+              <a:rPr lang="en-US" dirty="0"/>
+              <a:t>Display vehicle data</a:t>
+            </a:r>
           </a:p>
         </p:txBody>
       </p:sp>
@@ -4121,7 +4120,14 @@
         <p:cNvGrpSpPr/>
         <p:nvPr/>
       </p:nvGrpSpPr>
-      <p:grpSpPr/>
+      <p:grpSpPr>
+        <a:xfrm>
+          <a:off x="0" y="0"/>
+          <a:ext cx="0" cy="0"/>
+          <a:chOff x="0" y="0"/>
+          <a:chExt cx="0" cy="0"/>
+        </a:xfrm>
+      </p:grpSpPr>
       <p:sp>
         <p:nvSpPr>
           <p:cNvPr id="2" name="Title 1"/>
@@ -4135,6 +4141,7 @@
         <p:spPr/>
         <p:txBody>
           <a:bodyPr/>
+          <a:lstStyle/>
           <a:p>
             <a:pPr algn="l"/>
             <a:r>
@@ -4145,11 +4152,6 @@
               </a:rPr>
               <a:t>Statistics of Test Cases</a:t>
             </a:r>
-            <a:endParaRPr lang="en-US">
-              <a:solidFill>
-                <a:srgbClr val="00B050"/>
-              </a:solidFill>
-            </a:endParaRPr>
           </a:p>
         </p:txBody>
       </p:sp>
@@ -4166,26 +4168,36 @@
         <p:spPr/>
         <p:txBody>
           <a:bodyPr/>
-          <a:p>
-            <a:r>
-              <a:rPr lang="en-US"/>
-              <a:t>How many functions tested</a:t>
-            </a:r>
-            <a:endParaRPr lang="en-US"/>
-          </a:p>
-          <a:p>
-            <a:r>
-              <a:rPr lang="en-US"/>
-              <a:t>How many correct, how many incorrect</a:t>
-            </a:r>
-            <a:endParaRPr lang="en-US"/>
-          </a:p>
-          <a:p>
-            <a:r>
-              <a:rPr lang="en-US"/>
-              <a:t>Any problem the dev team has missed</a:t>
-            </a:r>
-            <a:endParaRPr lang="en-US"/>
+          <a:lstStyle/>
+          <a:p>
+            <a:r>
+              <a:rPr lang="en-US" dirty="0"/>
+              <a:t>Four functionalities were tested</a:t>
+            </a:r>
+          </a:p>
+          <a:p>
+            <a:r>
+              <a:rPr lang="en-US" dirty="0"/>
+              <a:t>Login does not provide any security and is useless. </a:t>
+            </a:r>
+          </a:p>
+          <a:p>
+            <a:r>
+              <a:rPr lang="en-US" dirty="0"/>
+              <a:t>Inheritance tree is inverted.</a:t>
+            </a:r>
+          </a:p>
+          <a:p>
+            <a:r>
+              <a:rPr lang="en-US" dirty="0"/>
+              <a:t>Functions fails when input is anything other than provided.</a:t>
+            </a:r>
+          </a:p>
+          <a:p>
+            <a:r>
+              <a:rPr lang="en-US" dirty="0"/>
+              <a:t>Other functions are working fine.</a:t>
+            </a:r>
           </a:p>
         </p:txBody>
       </p:sp>
@@ -4388,6 +4400,7 @@
       </a:bgFillStyleLst>
     </a:fmtScheme>
   </a:themeElements>
+  <a:objectDefaults/>
   <a:extraClrSchemeLst>
     <a:extraClrScheme>
       <a:clrScheme name="">
